--- a/Python과제/Python_1강.pptx
+++ b/Python과제/Python_1강.pptx
@@ -9,7 +9,8 @@
     <p:sldId id="257" r:id="rId3"/>
     <p:sldId id="258" r:id="rId4"/>
     <p:sldId id="259" r:id="rId5"/>
-    <p:sldId id="260" r:id="rId6"/>
+    <p:sldId id="261" r:id="rId6"/>
+    <p:sldId id="260" r:id="rId7"/>
   </p:sldIdLst>
   <p:sldSz cx="12192000" cy="6858000"/>
   <p:notesSz cx="6858000" cy="9144000"/>
@@ -312,7 +313,7 @@
           <a:p>
             <a:fld id="{96DFF08F-DC6B-4601-B491-B0F83F6DD2DA}" type="datetimeFigureOut">
               <a:rPr lang="en-US" smtClean="0"/>
-              <a:t>4/26/2023</a:t>
+              <a:t>5/6/2023</a:t>
             </a:fld>
             <a:endParaRPr lang="en-US" dirty="0"/>
           </a:p>
@@ -533,7 +534,7 @@
           <a:p>
             <a:fld id="{96DFF08F-DC6B-4601-B491-B0F83F6DD2DA}" type="datetimeFigureOut">
               <a:rPr lang="en-US" smtClean="0"/>
-              <a:t>4/26/2023</a:t>
+              <a:t>5/6/2023</a:t>
             </a:fld>
             <a:endParaRPr lang="en-US" dirty="0"/>
           </a:p>
@@ -713,7 +714,7 @@
           <a:p>
             <a:fld id="{96DFF08F-DC6B-4601-B491-B0F83F6DD2DA}" type="datetimeFigureOut">
               <a:rPr lang="en-US" smtClean="0"/>
-              <a:t>4/26/2023</a:t>
+              <a:t>5/6/2023</a:t>
             </a:fld>
             <a:endParaRPr lang="en-US" dirty="0"/>
           </a:p>
@@ -883,7 +884,7 @@
           <a:p>
             <a:fld id="{96DFF08F-DC6B-4601-B491-B0F83F6DD2DA}" type="datetimeFigureOut">
               <a:rPr lang="en-US" smtClean="0"/>
-              <a:t>4/26/2023</a:t>
+              <a:t>5/6/2023</a:t>
             </a:fld>
             <a:endParaRPr lang="en-US" dirty="0"/>
           </a:p>
@@ -1134,7 +1135,7 @@
           <a:p>
             <a:fld id="{96DFF08F-DC6B-4601-B491-B0F83F6DD2DA}" type="datetimeFigureOut">
               <a:rPr lang="en-US" smtClean="0"/>
-              <a:t>4/26/2023</a:t>
+              <a:t>5/6/2023</a:t>
             </a:fld>
             <a:endParaRPr lang="en-US" dirty="0"/>
           </a:p>
@@ -1457,7 +1458,7 @@
           <a:p>
             <a:fld id="{96DFF08F-DC6B-4601-B491-B0F83F6DD2DA}" type="datetimeFigureOut">
               <a:rPr lang="en-US" smtClean="0"/>
-              <a:t>4/26/2023</a:t>
+              <a:t>5/6/2023</a:t>
             </a:fld>
             <a:endParaRPr lang="en-US" dirty="0"/>
           </a:p>
@@ -1881,7 +1882,7 @@
           <a:p>
             <a:fld id="{96DFF08F-DC6B-4601-B491-B0F83F6DD2DA}" type="datetimeFigureOut">
               <a:rPr lang="en-US" smtClean="0"/>
-              <a:t>4/26/2023</a:t>
+              <a:t>5/6/2023</a:t>
             </a:fld>
             <a:endParaRPr lang="en-US" dirty="0"/>
           </a:p>
@@ -1999,7 +2000,7 @@
           <a:p>
             <a:fld id="{96DFF08F-DC6B-4601-B491-B0F83F6DD2DA}" type="datetimeFigureOut">
               <a:rPr lang="en-US" smtClean="0"/>
-              <a:t>4/26/2023</a:t>
+              <a:t>5/6/2023</a:t>
             </a:fld>
             <a:endParaRPr lang="en-US" dirty="0"/>
           </a:p>
@@ -2094,7 +2095,7 @@
           <a:p>
             <a:fld id="{96DFF08F-DC6B-4601-B491-B0F83F6DD2DA}" type="datetimeFigureOut">
               <a:rPr lang="en-US" smtClean="0"/>
-              <a:t>4/26/2023</a:t>
+              <a:t>5/6/2023</a:t>
             </a:fld>
             <a:endParaRPr lang="en-US" dirty="0"/>
           </a:p>
@@ -2384,7 +2385,7 @@
           <a:p>
             <a:fld id="{96DFF08F-DC6B-4601-B491-B0F83F6DD2DA}" type="datetimeFigureOut">
               <a:rPr lang="en-US" smtClean="0"/>
-              <a:t>4/26/2023</a:t>
+              <a:t>5/6/2023</a:t>
             </a:fld>
             <a:endParaRPr lang="en-US" dirty="0"/>
           </a:p>
@@ -2656,7 +2657,7 @@
           <a:p>
             <a:fld id="{96DFF08F-DC6B-4601-B491-B0F83F6DD2DA}" type="datetimeFigureOut">
               <a:rPr lang="en-US" smtClean="0"/>
-              <a:t>4/26/2023</a:t>
+              <a:t>5/6/2023</a:t>
             </a:fld>
             <a:endParaRPr lang="en-US" dirty="0"/>
           </a:p>
@@ -2911,7 +2912,7 @@
             <a:fld id="{96DFF08F-DC6B-4601-B491-B0F83F6DD2DA}" type="datetimeFigureOut">
               <a:rPr lang="en-US" smtClean="0"/>
               <a:pPr/>
-              <a:t>4/26/2023</a:t>
+              <a:t>5/6/2023</a:t>
             </a:fld>
             <a:endParaRPr lang="en-US" dirty="0"/>
           </a:p>
@@ -3620,8 +3621,8 @@
         </p:nvSpPr>
         <p:spPr>
           <a:xfrm>
-            <a:off x="8894618" y="429491"/>
-            <a:ext cx="2660073" cy="1015663"/>
+            <a:off x="8769927" y="549412"/>
+            <a:ext cx="3682130" cy="1015663"/>
           </a:xfrm>
           <a:prstGeom prst="rect">
             <a:avLst/>
@@ -3634,37 +3635,55 @@
           </a:bodyPr>
           <a:lstStyle/>
           <a:p>
+            <a:pPr marL="342900" indent="-342900">
+              <a:buFont typeface="Arial" panose="020B0604020202020204" pitchFamily="34" charset="0"/>
+              <a:buChar char="•"/>
+            </a:pPr>
             <a:r>
               <a:rPr lang="en-US" altLang="ko-KR" sz="2000" dirty="0">
-                <a:latin typeface="+mn-ea"/>
+                <a:latin typeface="D2Coding" panose="020B0609020101020101" pitchFamily="49" charset="-127"/>
+                <a:ea typeface="D2Coding" panose="020B0609020101020101" pitchFamily="49" charset="-127"/>
               </a:rPr>
               <a:t>Microsoft Store </a:t>
             </a:r>
             <a:r>
               <a:rPr lang="ko-KR" altLang="en-US" sz="2000" dirty="0">
-                <a:latin typeface="+mn-ea"/>
+                <a:latin typeface="D2Coding" panose="020B0609020101020101" pitchFamily="49" charset="-127"/>
+                <a:ea typeface="D2Coding" panose="020B0609020101020101" pitchFamily="49" charset="-127"/>
               </a:rPr>
               <a:t>접속</a:t>
             </a:r>
             <a:endParaRPr lang="en-US" altLang="ko-KR" sz="2000" dirty="0">
-              <a:latin typeface="+mn-ea"/>
+              <a:latin typeface="D2Coding" panose="020B0609020101020101" pitchFamily="49" charset="-127"/>
+              <a:ea typeface="D2Coding" panose="020B0609020101020101" pitchFamily="49" charset="-127"/>
             </a:endParaRPr>
           </a:p>
           <a:p>
+            <a:pPr marL="342900" indent="-342900">
+              <a:buFont typeface="Arial" panose="020B0604020202020204" pitchFamily="34" charset="0"/>
+              <a:buChar char="•"/>
+            </a:pPr>
             <a:endParaRPr lang="en-US" altLang="ko-KR" sz="2000" dirty="0">
-              <a:latin typeface="+mn-ea"/>
+              <a:latin typeface="D2Coding" panose="020B0609020101020101" pitchFamily="49" charset="-127"/>
+              <a:ea typeface="D2Coding" panose="020B0609020101020101" pitchFamily="49" charset="-127"/>
             </a:endParaRPr>
           </a:p>
           <a:p>
+            <a:pPr marL="342900" indent="-342900">
+              <a:buFont typeface="Arial" panose="020B0604020202020204" pitchFamily="34" charset="0"/>
+              <a:buChar char="•"/>
+            </a:pPr>
             <a:r>
               <a:rPr lang="en-US" altLang="ko-KR" sz="2000" dirty="0">
-                <a:latin typeface="+mn-ea"/>
+                <a:latin typeface="D2Coding" panose="020B0609020101020101" pitchFamily="49" charset="-127"/>
+                <a:ea typeface="D2Coding" panose="020B0609020101020101" pitchFamily="49" charset="-127"/>
               </a:rPr>
               <a:t>Python 3.8 </a:t>
             </a:r>
             <a:r>
               <a:rPr lang="ko-KR" altLang="en-US" sz="2000" dirty="0">
-                <a:latin typeface="+mn-ea"/>
+                <a:latin typeface="D2Coding" panose="020B0609020101020101" pitchFamily="49" charset="-127"/>
+                <a:ea typeface="D2Coding" panose="020B0609020101020101" pitchFamily="49" charset="-127"/>
               </a:rPr>
               <a:t> 다운로드</a:t>
             </a:r>
@@ -3849,8 +3868,8 @@
         </p:nvSpPr>
         <p:spPr>
           <a:xfrm>
-            <a:off x="284982" y="5361709"/>
-            <a:ext cx="9593309" cy="1015663"/>
+            <a:off x="284982" y="5361710"/>
+            <a:ext cx="10807739" cy="1015663"/>
           </a:xfrm>
           <a:prstGeom prst="rect">
             <a:avLst/>
@@ -3863,58 +3882,93 @@
           </a:bodyPr>
           <a:lstStyle/>
           <a:p>
+            <a:pPr marL="342900" indent="-342900">
+              <a:buFont typeface="Arial" panose="020B0604020202020204" pitchFamily="34" charset="0"/>
+              <a:buChar char="•"/>
+            </a:pPr>
             <a:r>
               <a:rPr lang="en-US" altLang="ko-KR" sz="2000" dirty="0">
-                <a:latin typeface="+mn-ea"/>
+                <a:latin typeface="D2Coding" panose="020B0609020101020101" pitchFamily="49" charset="-127"/>
+                <a:ea typeface="D2Coding" panose="020B0609020101020101" pitchFamily="49" charset="-127"/>
                 <a:hlinkClick r:id="rId3"/>
               </a:rPr>
               <a:t>https://jupyter.org/try-jupyter/retro/notebooks/?path=Untitled.ipynb</a:t>
             </a:r>
             <a:r>
               <a:rPr lang="en-US" altLang="ko-KR" sz="2000" dirty="0">
-                <a:latin typeface="+mn-ea"/>
+                <a:latin typeface="D2Coding" panose="020B0609020101020101" pitchFamily="49" charset="-127"/>
+                <a:ea typeface="D2Coding" panose="020B0609020101020101" pitchFamily="49" charset="-127"/>
               </a:rPr>
               <a:t> </a:t>
             </a:r>
             <a:r>
               <a:rPr lang="ko-KR" altLang="en-US" sz="2000" dirty="0">
-                <a:latin typeface="+mn-ea"/>
+                <a:latin typeface="D2Coding" panose="020B0609020101020101" pitchFamily="49" charset="-127"/>
+                <a:ea typeface="D2Coding" panose="020B0609020101020101" pitchFamily="49" charset="-127"/>
               </a:rPr>
               <a:t>접속</a:t>
             </a:r>
             <a:endParaRPr lang="en-US" altLang="ko-KR" sz="2000" dirty="0">
-              <a:latin typeface="+mn-ea"/>
+              <a:latin typeface="D2Coding" panose="020B0609020101020101" pitchFamily="49" charset="-127"/>
+              <a:ea typeface="D2Coding" panose="020B0609020101020101" pitchFamily="49" charset="-127"/>
             </a:endParaRPr>
           </a:p>
           <a:p>
+            <a:pPr marL="342900" indent="-342900">
+              <a:buFont typeface="Arial" panose="020B0604020202020204" pitchFamily="34" charset="0"/>
+              <a:buChar char="•"/>
+            </a:pPr>
             <a:endParaRPr lang="en-US" altLang="ko-KR" sz="2000" dirty="0">
-              <a:latin typeface="+mn-ea"/>
+              <a:latin typeface="D2Coding" panose="020B0609020101020101" pitchFamily="49" charset="-127"/>
+              <a:ea typeface="D2Coding" panose="020B0609020101020101" pitchFamily="49" charset="-127"/>
             </a:endParaRPr>
           </a:p>
           <a:p>
+            <a:pPr marL="342900" indent="-342900">
+              <a:buFont typeface="Arial" panose="020B0604020202020204" pitchFamily="34" charset="0"/>
+              <a:buChar char="•"/>
+            </a:pPr>
             <a:r>
               <a:rPr lang="en-US" altLang="ko-KR" sz="2000" dirty="0">
-                <a:latin typeface="+mn-ea"/>
+                <a:latin typeface="D2Coding" panose="020B0609020101020101" pitchFamily="49" charset="-127"/>
+                <a:ea typeface="D2Coding" panose="020B0609020101020101" pitchFamily="49" charset="-127"/>
               </a:rPr>
               <a:t>File -&gt; New -&gt; </a:t>
             </a:r>
             <a:r>
               <a:rPr lang="en-US" altLang="ko-KR" sz="2000" dirty="0" err="1">
-                <a:latin typeface="+mn-ea"/>
+                <a:latin typeface="D2Coding" panose="020B0609020101020101" pitchFamily="49" charset="-127"/>
+                <a:ea typeface="D2Coding" panose="020B0609020101020101" pitchFamily="49" charset="-127"/>
               </a:rPr>
               <a:t>NoteBook</a:t>
             </a:r>
             <a:r>
               <a:rPr lang="en-US" altLang="ko-KR" sz="2000" dirty="0">
-                <a:latin typeface="+mn-ea"/>
+                <a:latin typeface="D2Coding" panose="020B0609020101020101" pitchFamily="49" charset="-127"/>
+                <a:ea typeface="D2Coding" panose="020B0609020101020101" pitchFamily="49" charset="-127"/>
               </a:rPr>
               <a:t> </a:t>
             </a:r>
             <a:r>
               <a:rPr lang="ko-KR" altLang="en-US" sz="2000" dirty="0">
-                <a:latin typeface="+mn-ea"/>
+                <a:latin typeface="D2Coding" panose="020B0609020101020101" pitchFamily="49" charset="-127"/>
+                <a:ea typeface="D2Coding" panose="020B0609020101020101" pitchFamily="49" charset="-127"/>
               </a:rPr>
-              <a:t>으로 실행 창 생성</a:t>
+              <a:t>으로 </a:t>
+            </a:r>
+            <a:r>
+              <a:rPr lang="en-US" altLang="ko-KR" sz="2000" dirty="0" err="1">
+                <a:latin typeface="D2Coding" panose="020B0609020101020101" pitchFamily="49" charset="-127"/>
+                <a:ea typeface="D2Coding" panose="020B0609020101020101" pitchFamily="49" charset="-127"/>
+              </a:rPr>
+              <a:t>jupyter</a:t>
+            </a:r>
+            <a:r>
+              <a:rPr lang="ko-KR" altLang="en-US" sz="2000" dirty="0">
+                <a:latin typeface="D2Coding" panose="020B0609020101020101" pitchFamily="49" charset="-127"/>
+                <a:ea typeface="D2Coding" panose="020B0609020101020101" pitchFamily="49" charset="-127"/>
+              </a:rPr>
+              <a:t> 실행 창 생성</a:t>
             </a:r>
           </a:p>
         </p:txBody>
@@ -4007,9 +4061,14 @@
           </a:bodyPr>
           <a:lstStyle/>
           <a:p>
+            <a:pPr marL="342900" indent="-342900">
+              <a:buFont typeface="Arial" panose="020B0604020202020204" pitchFamily="34" charset="0"/>
+              <a:buChar char="•"/>
+            </a:pPr>
             <a:r>
               <a:rPr lang="ko-KR" altLang="en-US" sz="2000" dirty="0">
-                <a:latin typeface="+mn-ea"/>
+                <a:latin typeface="D2Coding" panose="020B0609020101020101" pitchFamily="49" charset="-127"/>
+                <a:ea typeface="D2Coding" panose="020B0609020101020101" pitchFamily="49" charset="-127"/>
               </a:rPr>
               <a:t>파이썬 실행 창 모습</a:t>
             </a:r>
@@ -4030,6 +4089,115 @@
 </file>
 
 <file path=ppt/slides/slide5.xml><?xml version="1.0" encoding="utf-8"?>
+<p:sld xmlns:a="http://schemas.openxmlformats.org/drawingml/2006/main" xmlns:r="http://schemas.openxmlformats.org/officeDocument/2006/relationships" xmlns:p="http://schemas.openxmlformats.org/presentationml/2006/main">
+  <p:cSld>
+    <p:spTree>
+      <p:nvGrpSpPr>
+        <p:cNvPr id="1" name=""/>
+        <p:cNvGrpSpPr/>
+        <p:nvPr/>
+      </p:nvGrpSpPr>
+      <p:grpSpPr>
+        <a:xfrm>
+          <a:off x="0" y="0"/>
+          <a:ext cx="0" cy="0"/>
+          <a:chOff x="0" y="0"/>
+          <a:chExt cx="0" cy="0"/>
+        </a:xfrm>
+      </p:grpSpPr>
+      <p:pic>
+        <p:nvPicPr>
+          <p:cNvPr id="3" name="그림 2">
+            <a:extLst>
+              <a:ext uri="{FF2B5EF4-FFF2-40B4-BE49-F238E27FC236}">
+                <a16:creationId xmlns:a16="http://schemas.microsoft.com/office/drawing/2014/main" id="{71169E1E-E12B-D6CA-F3CC-2216A673B921}"/>
+              </a:ext>
+            </a:extLst>
+          </p:cNvPr>
+          <p:cNvPicPr>
+            <a:picLocks noChangeAspect="1"/>
+          </p:cNvPicPr>
+          <p:nvPr/>
+        </p:nvPicPr>
+        <p:blipFill>
+          <a:blip r:embed="rId2"/>
+          <a:stretch>
+            <a:fillRect/>
+          </a:stretch>
+        </p:blipFill>
+        <p:spPr>
+          <a:xfrm>
+            <a:off x="270817" y="329784"/>
+            <a:ext cx="5410456" cy="6139085"/>
+          </a:xfrm>
+          <a:prstGeom prst="rect">
+            <a:avLst/>
+          </a:prstGeom>
+        </p:spPr>
+      </p:pic>
+      <p:sp>
+        <p:nvSpPr>
+          <p:cNvPr id="4" name="TextBox 3">
+            <a:extLst>
+              <a:ext uri="{FF2B5EF4-FFF2-40B4-BE49-F238E27FC236}">
+                <a16:creationId xmlns:a16="http://schemas.microsoft.com/office/drawing/2014/main" id="{FAE3DD78-94A4-F30F-08D3-5B28BE2140C8}"/>
+              </a:ext>
+            </a:extLst>
+          </p:cNvPr>
+          <p:cNvSpPr txBox="1"/>
+          <p:nvPr/>
+        </p:nvSpPr>
+        <p:spPr>
+          <a:xfrm>
+            <a:off x="6096000" y="644577"/>
+            <a:ext cx="5551357" cy="400110"/>
+          </a:xfrm>
+          <a:prstGeom prst="rect">
+            <a:avLst/>
+          </a:prstGeom>
+          <a:noFill/>
+        </p:spPr>
+        <p:txBody>
+          <a:bodyPr wrap="square" rtlCol="0">
+            <a:spAutoFit/>
+          </a:bodyPr>
+          <a:lstStyle/>
+          <a:p>
+            <a:pPr marL="285750" indent="-285750">
+              <a:buFont typeface="Arial" panose="020B0604020202020204" pitchFamily="34" charset="0"/>
+              <a:buChar char="•"/>
+            </a:pPr>
+            <a:r>
+              <a:rPr lang="en-US" altLang="ko-KR" sz="2000" dirty="0">
+                <a:latin typeface="D2Coding" panose="020B0609020101020101" pitchFamily="49" charset="-127"/>
+                <a:ea typeface="D2Coding" panose="020B0609020101020101" pitchFamily="49" charset="-127"/>
+              </a:rPr>
+              <a:t>python IDLE Shell </a:t>
+            </a:r>
+            <a:r>
+              <a:rPr lang="ko-KR" altLang="en-US" sz="2000" dirty="0">
+                <a:latin typeface="D2Coding" panose="020B0609020101020101" pitchFamily="49" charset="-127"/>
+                <a:ea typeface="D2Coding" panose="020B0609020101020101" pitchFamily="49" charset="-127"/>
+              </a:rPr>
+              <a:t>실행 창</a:t>
+            </a:r>
+          </a:p>
+        </p:txBody>
+      </p:sp>
+    </p:spTree>
+    <p:extLst>
+      <p:ext uri="{BB962C8B-B14F-4D97-AF65-F5344CB8AC3E}">
+        <p14:creationId xmlns:p14="http://schemas.microsoft.com/office/powerpoint/2010/main" val="2339743938"/>
+      </p:ext>
+    </p:extLst>
+  </p:cSld>
+  <p:clrMapOvr>
+    <a:masterClrMapping/>
+  </p:clrMapOvr>
+</p:sld>
+</file>
+
+<file path=ppt/slides/slide6.xml><?xml version="1.0" encoding="utf-8"?>
 <p:sld xmlns:a="http://schemas.openxmlformats.org/drawingml/2006/main" xmlns:r="http://schemas.openxmlformats.org/officeDocument/2006/relationships" xmlns:p="http://schemas.openxmlformats.org/presentationml/2006/main">
   <p:cSld>
     <p:spTree>
@@ -4134,10 +4302,14 @@
           </a:bodyPr>
           <a:lstStyle/>
           <a:p>
-            <a:pPr algn="ctr"/>
+            <a:pPr marL="342900" indent="-342900" algn="ctr">
+              <a:buFont typeface="Arial" panose="020B0604020202020204" pitchFamily="34" charset="0"/>
+              <a:buChar char="•"/>
+            </a:pPr>
             <a:r>
               <a:rPr lang="ko-KR" altLang="en-US" sz="2000" dirty="0">
-                <a:latin typeface="+mn-ea"/>
+                <a:latin typeface="D2Coding" panose="020B0609020101020101" pitchFamily="49" charset="-127"/>
+                <a:ea typeface="D2Coding" panose="020B0609020101020101" pitchFamily="49" charset="-127"/>
               </a:rPr>
               <a:t>대화식 모드 </a:t>
             </a:r>
@@ -4172,10 +4344,14 @@
           </a:bodyPr>
           <a:lstStyle/>
           <a:p>
-            <a:pPr algn="ctr"/>
+            <a:pPr marL="342900" indent="-342900" algn="ctr">
+              <a:buFont typeface="Arial" panose="020B0604020202020204" pitchFamily="34" charset="0"/>
+              <a:buChar char="•"/>
+            </a:pPr>
             <a:r>
               <a:rPr lang="ko-KR" altLang="en-US" sz="2000" dirty="0">
-                <a:latin typeface="+mn-ea"/>
+                <a:latin typeface="D2Coding" panose="020B0609020101020101" pitchFamily="49" charset="-127"/>
+                <a:ea typeface="D2Coding" panose="020B0609020101020101" pitchFamily="49" charset="-127"/>
               </a:rPr>
               <a:t>스크립트 모드 </a:t>
             </a:r>

--- a/Python과제/Python_1강.pptx
+++ b/Python과제/Python_1강.pptx
@@ -313,7 +313,7 @@
           <a:p>
             <a:fld id="{96DFF08F-DC6B-4601-B491-B0F83F6DD2DA}" type="datetimeFigureOut">
               <a:rPr lang="en-US" smtClean="0"/>
-              <a:t>5/6/2023</a:t>
+              <a:t>5/7/2023</a:t>
             </a:fld>
             <a:endParaRPr lang="en-US" dirty="0"/>
           </a:p>
@@ -534,7 +534,7 @@
           <a:p>
             <a:fld id="{96DFF08F-DC6B-4601-B491-B0F83F6DD2DA}" type="datetimeFigureOut">
               <a:rPr lang="en-US" smtClean="0"/>
-              <a:t>5/6/2023</a:t>
+              <a:t>5/7/2023</a:t>
             </a:fld>
             <a:endParaRPr lang="en-US" dirty="0"/>
           </a:p>
@@ -714,7 +714,7 @@
           <a:p>
             <a:fld id="{96DFF08F-DC6B-4601-B491-B0F83F6DD2DA}" type="datetimeFigureOut">
               <a:rPr lang="en-US" smtClean="0"/>
-              <a:t>5/6/2023</a:t>
+              <a:t>5/7/2023</a:t>
             </a:fld>
             <a:endParaRPr lang="en-US" dirty="0"/>
           </a:p>
@@ -884,7 +884,7 @@
           <a:p>
             <a:fld id="{96DFF08F-DC6B-4601-B491-B0F83F6DD2DA}" type="datetimeFigureOut">
               <a:rPr lang="en-US" smtClean="0"/>
-              <a:t>5/6/2023</a:t>
+              <a:t>5/7/2023</a:t>
             </a:fld>
             <a:endParaRPr lang="en-US" dirty="0"/>
           </a:p>
@@ -1135,7 +1135,7 @@
           <a:p>
             <a:fld id="{96DFF08F-DC6B-4601-B491-B0F83F6DD2DA}" type="datetimeFigureOut">
               <a:rPr lang="en-US" smtClean="0"/>
-              <a:t>5/6/2023</a:t>
+              <a:t>5/7/2023</a:t>
             </a:fld>
             <a:endParaRPr lang="en-US" dirty="0"/>
           </a:p>
@@ -1458,7 +1458,7 @@
           <a:p>
             <a:fld id="{96DFF08F-DC6B-4601-B491-B0F83F6DD2DA}" type="datetimeFigureOut">
               <a:rPr lang="en-US" smtClean="0"/>
-              <a:t>5/6/2023</a:t>
+              <a:t>5/7/2023</a:t>
             </a:fld>
             <a:endParaRPr lang="en-US" dirty="0"/>
           </a:p>
@@ -1882,7 +1882,7 @@
           <a:p>
             <a:fld id="{96DFF08F-DC6B-4601-B491-B0F83F6DD2DA}" type="datetimeFigureOut">
               <a:rPr lang="en-US" smtClean="0"/>
-              <a:t>5/6/2023</a:t>
+              <a:t>5/7/2023</a:t>
             </a:fld>
             <a:endParaRPr lang="en-US" dirty="0"/>
           </a:p>
@@ -2000,7 +2000,7 @@
           <a:p>
             <a:fld id="{96DFF08F-DC6B-4601-B491-B0F83F6DD2DA}" type="datetimeFigureOut">
               <a:rPr lang="en-US" smtClean="0"/>
-              <a:t>5/6/2023</a:t>
+              <a:t>5/7/2023</a:t>
             </a:fld>
             <a:endParaRPr lang="en-US" dirty="0"/>
           </a:p>
@@ -2095,7 +2095,7 @@
           <a:p>
             <a:fld id="{96DFF08F-DC6B-4601-B491-B0F83F6DD2DA}" type="datetimeFigureOut">
               <a:rPr lang="en-US" smtClean="0"/>
-              <a:t>5/6/2023</a:t>
+              <a:t>5/7/2023</a:t>
             </a:fld>
             <a:endParaRPr lang="en-US" dirty="0"/>
           </a:p>
@@ -2385,7 +2385,7 @@
           <a:p>
             <a:fld id="{96DFF08F-DC6B-4601-B491-B0F83F6DD2DA}" type="datetimeFigureOut">
               <a:rPr lang="en-US" smtClean="0"/>
-              <a:t>5/6/2023</a:t>
+              <a:t>5/7/2023</a:t>
             </a:fld>
             <a:endParaRPr lang="en-US" dirty="0"/>
           </a:p>
@@ -2657,7 +2657,7 @@
           <a:p>
             <a:fld id="{96DFF08F-DC6B-4601-B491-B0F83F6DD2DA}" type="datetimeFigureOut">
               <a:rPr lang="en-US" smtClean="0"/>
-              <a:t>5/6/2023</a:t>
+              <a:t>5/7/2023</a:t>
             </a:fld>
             <a:endParaRPr lang="en-US" dirty="0"/>
           </a:p>
@@ -2912,7 +2912,7 @@
             <a:fld id="{96DFF08F-DC6B-4601-B491-B0F83F6DD2DA}" type="datetimeFigureOut">
               <a:rPr lang="en-US" smtClean="0"/>
               <a:pPr/>
-              <a:t>5/6/2023</a:t>
+              <a:t>5/7/2023</a:t>
             </a:fld>
             <a:endParaRPr lang="en-US" dirty="0"/>
           </a:p>
@@ -3475,13 +3475,20 @@
           <a:p>
             <a:pPr algn="r"/>
             <a:r>
+              <a:rPr lang="en-US" altLang="ko-KR" sz="2800" dirty="0">
+                <a:latin typeface="+mj-ea"/>
+                <a:ea typeface="+mj-ea"/>
+              </a:rPr>
+              <a:t>KOPO11 </a:t>
+            </a:r>
+            <a:r>
               <a:rPr lang="ko-KR" altLang="en-US" sz="2800" dirty="0">
                 <a:latin typeface="+mj-ea"/>
                 <a:ea typeface="+mj-ea"/>
               </a:rPr>
               <a:t>노을</a:t>
             </a:r>
-            <a:endParaRPr lang="en-US" altLang="ko-KR" sz="2800" dirty="0">
+            <a:endParaRPr lang="en-US" altLang="ko-KR" sz="2800">
               <a:latin typeface="+mj-ea"/>
               <a:ea typeface="+mj-ea"/>
             </a:endParaRPr>
